--- a/7261 Presentation 0 - News Frequency.pptx
+++ b/7261 Presentation 0 - News Frequency.pptx
@@ -1225,8 +1225,8 @@
         </a:p>
       </dgm:t>
     </dgm:pt>
-    <mc:AlternateContent xmlns:mc="http://schemas.openxmlformats.org/markup-compatibility/2006">
-      <mc:Choice xmlns:a14="http://schemas.microsoft.com/office/drawing/2010/main" Requires="a14">
+    <mc:AlternateContent xmlns:mc="http://schemas.openxmlformats.org/markup-compatibility/2006" xmlns:a14="http://schemas.microsoft.com/office/drawing/2010/main">
+      <mc:Choice Requires="a14">
         <dgm:pt modelId="{C49CFCE1-5CEA-4633-8CC6-8B7033E8B6C1}">
           <dgm:prSet custT="1"/>
           <dgm:spPr/>
@@ -1256,7 +1256,7 @@
           </dgm:t>
         </dgm:pt>
       </mc:Choice>
-      <mc:Fallback>
+      <mc:Fallback xmlns="">
         <dgm:pt modelId="{C49CFCE1-5CEA-4633-8CC6-8B7033E8B6C1}">
           <dgm:prSet custT="1"/>
           <dgm:spPr/>
@@ -4963,7 +4963,7 @@
           <a:p>
             <a:fld id="{74FA6950-0A8F-472F-8C0C-D6F0E2EE8421}" type="datetimeFigureOut">
               <a:rPr lang="zh-CN" altLang="en-US" smtClean="0"/>
-              <a:t>2021/2/16</a:t>
+              <a:t>2021/2/17</a:t>
             </a:fld>
             <a:endParaRPr lang="zh-CN" altLang="en-US"/>
           </a:p>
@@ -5141,7 +5141,7 @@
           <a:p>
             <a:fld id="{0496B672-6774-49CE-899D-61E400329179}" type="datetimeFigureOut">
               <a:rPr lang="zh-CN" altLang="en-US" smtClean="0"/>
-              <a:t>2021/2/16</a:t>
+              <a:t>2021/2/17</a:t>
             </a:fld>
             <a:endParaRPr lang="zh-CN" altLang="en-US"/>
           </a:p>
@@ -12622,8 +12622,8 @@
           </a:p>
         </p:txBody>
       </p:sp>
-      <mc:AlternateContent xmlns:mc="http://schemas.openxmlformats.org/markup-compatibility/2006">
-        <mc:Choice xmlns:a14="http://schemas.microsoft.com/office/drawing/2010/main" Requires="a14">
+      <mc:AlternateContent xmlns:mc="http://schemas.openxmlformats.org/markup-compatibility/2006" xmlns:a14="http://schemas.microsoft.com/office/drawing/2010/main">
+        <mc:Choice Requires="a14">
           <p:graphicFrame>
             <p:nvGraphicFramePr>
               <p:cNvPr id="7" name="内容占位符 6">
@@ -12656,7 +12656,7 @@
             </a:graphic>
           </p:graphicFrame>
         </mc:Choice>
-        <mc:Fallback>
+        <mc:Fallback xmlns="">
           <p:graphicFrame>
             <p:nvGraphicFramePr>
               <p:cNvPr id="7" name="内容占位符 6">
@@ -12684,7 +12684,7 @@
             </p:xfrm>
             <a:graphic>
               <a:graphicData uri="http://schemas.openxmlformats.org/drawingml/2006/diagram">
-                <dgm:relIds xmlns:dgm="http://schemas.openxmlformats.org/drawingml/2006/diagram" xmlns:r="http://schemas.openxmlformats.org/officeDocument/2006/relationships" r:dm="rId8" r:lo="rId4" r:qs="rId5" r:cs="rId6"/>
+                <dgm:relIds xmlns:dgm="http://schemas.openxmlformats.org/drawingml/2006/diagram" xmlns:r="http://schemas.openxmlformats.org/officeDocument/2006/relationships" r:dm="rId8" r:lo="rId9" r:qs="rId10" r:cs="rId11"/>
               </a:graphicData>
             </a:graphic>
           </p:graphicFrame>
@@ -12740,8 +12740,8 @@
             </p:nvSpPr>
             <p:spPr>
               <a:xfrm>
-                <a:off x="8622296" y="2506360"/>
-                <a:ext cx="1545167" cy="369332"/>
+                <a:off x="8508989" y="2506360"/>
+                <a:ext cx="1885003" cy="369332"/>
               </a:xfrm>
               <a:prstGeom prst="rect">
                 <a:avLst/>
@@ -12771,7 +12771,13 @@
                         <a:rPr lang="en-US" altLang="zh-CN" sz="2400" b="0" i="0" dirty="0" smtClean="0">
                           <a:latin typeface="Cambria Math" panose="02040503050406030204" pitchFamily="18" charset="0"/>
                         </a:rPr>
-                        <m:t>=1.6125</m:t>
+                        <m:t>=</m:t>
+                      </m:r>
+                      <m:r>
+                        <a:rPr lang="en-US" altLang="zh-CN" sz="2400" b="0" i="0" dirty="0" smtClean="0">
+                          <a:latin typeface="Cambria Math" panose="02040503050406030204" pitchFamily="18" charset="0"/>
+                        </a:rPr>
+                        <m:t>1.542169</m:t>
                       </m:r>
                     </m:oMath>
                   </m:oMathPara>
@@ -12798,16 +12804,16 @@
             </p:nvSpPr>
             <p:spPr>
               <a:xfrm>
-                <a:off x="8622296" y="2506360"/>
-                <a:ext cx="1545167" cy="369332"/>
+                <a:off x="8508989" y="2506360"/>
+                <a:ext cx="1885003" cy="369332"/>
               </a:xfrm>
               <a:prstGeom prst="rect">
                 <a:avLst/>
               </a:prstGeom>
               <a:blipFill>
-                <a:blip r:embed="rId9"/>
+                <a:blip r:embed="rId12"/>
                 <a:stretch>
-                  <a:fillRect l="-4331" r="-5118" b="-8197"/>
+                  <a:fillRect l="-3560" r="-3883" b="-8197"/>
                 </a:stretch>
               </a:blipFill>
             </p:spPr>
@@ -13103,7 +13109,7 @@
             </a:r>
             <a:r>
               <a:rPr lang="en-US" altLang="zh-CN" sz="1400" cap="none" dirty="0">
-                <a:hlinkClick r:id="rId10"/>
+                <a:hlinkClick r:id="rId13"/>
               </a:rPr>
               <a:t>https://github.com/Emma3434/News-Frequency</a:t>
             </a:r>
@@ -13115,42 +13121,6 @@
           </a:p>
         </p:txBody>
       </p:sp>
-      <p:pic>
-        <p:nvPicPr>
-          <p:cNvPr id="10" name="图片 9" descr="图表, 直方图&#10;&#10;描述已自动生成">
-            <a:extLst>
-              <a:ext uri="{FF2B5EF4-FFF2-40B4-BE49-F238E27FC236}">
-                <a16:creationId xmlns:a16="http://schemas.microsoft.com/office/drawing/2014/main" id="{B9458A82-FCCB-49CA-A861-0D424A11AEF1}"/>
-              </a:ext>
-            </a:extLst>
-          </p:cNvPr>
-          <p:cNvPicPr>
-            <a:picLocks noChangeAspect="1"/>
-          </p:cNvPicPr>
-          <p:nvPr/>
-        </p:nvPicPr>
-        <p:blipFill>
-          <a:blip r:embed="rId11">
-            <a:extLst>
-              <a:ext uri="{28A0092B-C50C-407E-A947-70E740481C1C}">
-                <a14:useLocalDpi xmlns:a14="http://schemas.microsoft.com/office/drawing/2010/main" val="0"/>
-              </a:ext>
-            </a:extLst>
-          </a:blip>
-          <a:stretch>
-            <a:fillRect/>
-          </a:stretch>
-        </p:blipFill>
-        <p:spPr>
-          <a:xfrm>
-            <a:off x="7322283" y="3033132"/>
-            <a:ext cx="4145191" cy="2975855"/>
-          </a:xfrm>
-          <a:prstGeom prst="rect">
-            <a:avLst/>
-          </a:prstGeom>
-        </p:spPr>
-      </p:pic>
       <p:sp>
         <p:nvSpPr>
           <p:cNvPr id="11" name="页脚占位符 10">
@@ -13237,6 +13207,321 @@
                 <a:schemeClr val="tx1"/>
               </a:solidFill>
             </a:endParaRPr>
+          </a:p>
+        </p:txBody>
+      </p:sp>
+      <p:pic>
+        <p:nvPicPr>
+          <p:cNvPr id="12" name="图片 11" descr="图表, 折线图, 直方图&#10;&#10;描述已自动生成">
+            <a:extLst>
+              <a:ext uri="{FF2B5EF4-FFF2-40B4-BE49-F238E27FC236}">
+                <a16:creationId xmlns:a16="http://schemas.microsoft.com/office/drawing/2014/main" id="{0744581B-92E3-4624-86CE-4280F7286AB9}"/>
+              </a:ext>
+            </a:extLst>
+          </p:cNvPr>
+          <p:cNvPicPr>
+            <a:picLocks noChangeAspect="1"/>
+          </p:cNvPicPr>
+          <p:nvPr/>
+        </p:nvPicPr>
+        <p:blipFill>
+          <a:blip r:embed="rId14">
+            <a:extLst>
+              <a:ext uri="{28A0092B-C50C-407E-A947-70E740481C1C}">
+                <a14:useLocalDpi xmlns:a14="http://schemas.microsoft.com/office/drawing/2010/main" val="0"/>
+              </a:ext>
+            </a:extLst>
+          </a:blip>
+          <a:stretch>
+            <a:fillRect/>
+          </a:stretch>
+        </p:blipFill>
+        <p:spPr>
+          <a:xfrm>
+            <a:off x="7097087" y="2955795"/>
+            <a:ext cx="4256386" cy="3092247"/>
+          </a:xfrm>
+          <a:prstGeom prst="rect">
+            <a:avLst/>
+          </a:prstGeom>
+        </p:spPr>
+      </p:pic>
+      <p:sp>
+        <p:nvSpPr>
+          <p:cNvPr id="18" name="文本占位符 4">
+            <a:extLst>
+              <a:ext uri="{FF2B5EF4-FFF2-40B4-BE49-F238E27FC236}">
+                <a16:creationId xmlns:a16="http://schemas.microsoft.com/office/drawing/2014/main" id="{CB0A556D-14AD-4D46-8308-2E5ABAADD816}"/>
+              </a:ext>
+            </a:extLst>
+          </p:cNvPr>
+          <p:cNvSpPr txBox="1">
+            <a:spLocks/>
+          </p:cNvSpPr>
+          <p:nvPr/>
+        </p:nvSpPr>
+        <p:spPr>
+          <a:xfrm>
+            <a:off x="3193468" y="4727625"/>
+            <a:ext cx="1276932" cy="304800"/>
+          </a:xfrm>
+          <a:prstGeom prst="rect">
+            <a:avLst/>
+          </a:prstGeom>
+        </p:spPr>
+        <p:txBody>
+          <a:bodyPr vert="horz" lIns="91440" tIns="45720" rIns="91440" bIns="45720" rtlCol="0" anchor="ctr">
+            <a:normAutofit/>
+          </a:bodyPr>
+          <a:lstStyle>
+            <a:lvl1pPr marL="0" indent="0" algn="l" defTabSz="914400" rtl="0" eaLnBrk="1" latinLnBrk="0" hangingPunct="1">
+              <a:lnSpc>
+                <a:spcPct val="90000"/>
+              </a:lnSpc>
+              <a:spcBef>
+                <a:spcPts val="1200"/>
+              </a:spcBef>
+              <a:spcAft>
+                <a:spcPts val="200"/>
+              </a:spcAft>
+              <a:buClr>
+                <a:schemeClr val="accent1"/>
+              </a:buClr>
+              <a:buSzPct val="100000"/>
+              <a:buFont typeface="Calibri" panose="020F0502020204030204" pitchFamily="34" charset="0"/>
+              <a:buNone/>
+              <a:defRPr sz="2000" b="0" kern="1200" cap="all" baseline="0">
+                <a:solidFill>
+                  <a:schemeClr val="tx2"/>
+                </a:solidFill>
+                <a:latin typeface="+mn-lt"/>
+                <a:ea typeface="+mn-ea"/>
+                <a:cs typeface="+mn-cs"/>
+              </a:defRPr>
+            </a:lvl1pPr>
+            <a:lvl2pPr marL="457200" indent="0" algn="l" defTabSz="914400" rtl="0" eaLnBrk="1" latinLnBrk="0" hangingPunct="1">
+              <a:lnSpc>
+                <a:spcPct val="90000"/>
+              </a:lnSpc>
+              <a:spcBef>
+                <a:spcPts val="200"/>
+              </a:spcBef>
+              <a:spcAft>
+                <a:spcPts val="400"/>
+              </a:spcAft>
+              <a:buClr>
+                <a:schemeClr val="accent1"/>
+              </a:buClr>
+              <a:buFont typeface="Calibri" pitchFamily="34" charset="0"/>
+              <a:buNone/>
+              <a:defRPr sz="2000" b="1" kern="1200">
+                <a:solidFill>
+                  <a:schemeClr val="tx1">
+                    <a:lumMod val="75000"/>
+                    <a:lumOff val="25000"/>
+                  </a:schemeClr>
+                </a:solidFill>
+                <a:latin typeface="+mn-lt"/>
+                <a:ea typeface="+mn-ea"/>
+                <a:cs typeface="+mn-cs"/>
+              </a:defRPr>
+            </a:lvl2pPr>
+            <a:lvl3pPr marL="914400" indent="0" algn="l" defTabSz="914400" rtl="0" eaLnBrk="1" latinLnBrk="0" hangingPunct="1">
+              <a:lnSpc>
+                <a:spcPct val="90000"/>
+              </a:lnSpc>
+              <a:spcBef>
+                <a:spcPts val="200"/>
+              </a:spcBef>
+              <a:spcAft>
+                <a:spcPts val="400"/>
+              </a:spcAft>
+              <a:buClr>
+                <a:schemeClr val="accent1"/>
+              </a:buClr>
+              <a:buFont typeface="Calibri" pitchFamily="34" charset="0"/>
+              <a:buNone/>
+              <a:defRPr sz="1800" b="1" kern="1200">
+                <a:solidFill>
+                  <a:schemeClr val="tx1">
+                    <a:lumMod val="75000"/>
+                    <a:lumOff val="25000"/>
+                  </a:schemeClr>
+                </a:solidFill>
+                <a:latin typeface="+mn-lt"/>
+                <a:ea typeface="+mn-ea"/>
+                <a:cs typeface="+mn-cs"/>
+              </a:defRPr>
+            </a:lvl3pPr>
+            <a:lvl4pPr marL="1371600" indent="0" algn="l" defTabSz="914400" rtl="0" eaLnBrk="1" latinLnBrk="0" hangingPunct="1">
+              <a:lnSpc>
+                <a:spcPct val="90000"/>
+              </a:lnSpc>
+              <a:spcBef>
+                <a:spcPts val="200"/>
+              </a:spcBef>
+              <a:spcAft>
+                <a:spcPts val="400"/>
+              </a:spcAft>
+              <a:buClr>
+                <a:schemeClr val="accent1"/>
+              </a:buClr>
+              <a:buFont typeface="Calibri" pitchFamily="34" charset="0"/>
+              <a:buNone/>
+              <a:defRPr sz="1600" b="1" kern="1200">
+                <a:solidFill>
+                  <a:schemeClr val="tx1">
+                    <a:lumMod val="75000"/>
+                    <a:lumOff val="25000"/>
+                  </a:schemeClr>
+                </a:solidFill>
+                <a:latin typeface="+mn-lt"/>
+                <a:ea typeface="+mn-ea"/>
+                <a:cs typeface="+mn-cs"/>
+              </a:defRPr>
+            </a:lvl4pPr>
+            <a:lvl5pPr marL="1828800" indent="0" algn="l" defTabSz="914400" rtl="0" eaLnBrk="1" latinLnBrk="0" hangingPunct="1">
+              <a:lnSpc>
+                <a:spcPct val="90000"/>
+              </a:lnSpc>
+              <a:spcBef>
+                <a:spcPts val="200"/>
+              </a:spcBef>
+              <a:spcAft>
+                <a:spcPts val="400"/>
+              </a:spcAft>
+              <a:buClr>
+                <a:schemeClr val="accent1"/>
+              </a:buClr>
+              <a:buFont typeface="Calibri" pitchFamily="34" charset="0"/>
+              <a:buNone/>
+              <a:defRPr sz="1600" b="1" kern="1200">
+                <a:solidFill>
+                  <a:schemeClr val="tx1">
+                    <a:lumMod val="75000"/>
+                    <a:lumOff val="25000"/>
+                  </a:schemeClr>
+                </a:solidFill>
+                <a:latin typeface="+mn-lt"/>
+                <a:ea typeface="+mn-ea"/>
+                <a:cs typeface="+mn-cs"/>
+              </a:defRPr>
+            </a:lvl5pPr>
+            <a:lvl6pPr marL="2286000" indent="0" algn="l" defTabSz="914400" rtl="0" eaLnBrk="1" latinLnBrk="0" hangingPunct="1">
+              <a:lnSpc>
+                <a:spcPct val="90000"/>
+              </a:lnSpc>
+              <a:spcBef>
+                <a:spcPts val="200"/>
+              </a:spcBef>
+              <a:spcAft>
+                <a:spcPts val="400"/>
+              </a:spcAft>
+              <a:buClr>
+                <a:schemeClr val="accent1"/>
+              </a:buClr>
+              <a:buFont typeface="Calibri" pitchFamily="34" charset="0"/>
+              <a:buNone/>
+              <a:defRPr sz="1600" b="1" kern="1200">
+                <a:solidFill>
+                  <a:schemeClr val="tx1">
+                    <a:lumMod val="75000"/>
+                    <a:lumOff val="25000"/>
+                  </a:schemeClr>
+                </a:solidFill>
+                <a:latin typeface="+mn-lt"/>
+                <a:ea typeface="+mn-ea"/>
+                <a:cs typeface="+mn-cs"/>
+              </a:defRPr>
+            </a:lvl6pPr>
+            <a:lvl7pPr marL="2743200" indent="0" algn="l" defTabSz="914400" rtl="0" eaLnBrk="1" latinLnBrk="0" hangingPunct="1">
+              <a:lnSpc>
+                <a:spcPct val="90000"/>
+              </a:lnSpc>
+              <a:spcBef>
+                <a:spcPts val="200"/>
+              </a:spcBef>
+              <a:spcAft>
+                <a:spcPts val="400"/>
+              </a:spcAft>
+              <a:buClr>
+                <a:schemeClr val="accent1"/>
+              </a:buClr>
+              <a:buFont typeface="Calibri" pitchFamily="34" charset="0"/>
+              <a:buNone/>
+              <a:defRPr sz="1600" b="1" kern="1200">
+                <a:solidFill>
+                  <a:schemeClr val="tx1">
+                    <a:lumMod val="75000"/>
+                    <a:lumOff val="25000"/>
+                  </a:schemeClr>
+                </a:solidFill>
+                <a:latin typeface="+mn-lt"/>
+                <a:ea typeface="+mn-ea"/>
+                <a:cs typeface="+mn-cs"/>
+              </a:defRPr>
+            </a:lvl7pPr>
+            <a:lvl8pPr marL="3200400" indent="0" algn="l" defTabSz="914400" rtl="0" eaLnBrk="1" latinLnBrk="0" hangingPunct="1">
+              <a:lnSpc>
+                <a:spcPct val="90000"/>
+              </a:lnSpc>
+              <a:spcBef>
+                <a:spcPts val="200"/>
+              </a:spcBef>
+              <a:spcAft>
+                <a:spcPts val="400"/>
+              </a:spcAft>
+              <a:buClr>
+                <a:schemeClr val="accent1"/>
+              </a:buClr>
+              <a:buFont typeface="Calibri" pitchFamily="34" charset="0"/>
+              <a:buNone/>
+              <a:defRPr sz="1600" b="1" kern="1200">
+                <a:solidFill>
+                  <a:schemeClr val="tx1">
+                    <a:lumMod val="75000"/>
+                    <a:lumOff val="25000"/>
+                  </a:schemeClr>
+                </a:solidFill>
+                <a:latin typeface="+mn-lt"/>
+                <a:ea typeface="+mn-ea"/>
+                <a:cs typeface="+mn-cs"/>
+              </a:defRPr>
+            </a:lvl8pPr>
+            <a:lvl9pPr marL="3657600" indent="0" algn="l" defTabSz="914400" rtl="0" eaLnBrk="1" latinLnBrk="0" hangingPunct="1">
+              <a:lnSpc>
+                <a:spcPct val="90000"/>
+              </a:lnSpc>
+              <a:spcBef>
+                <a:spcPts val="200"/>
+              </a:spcBef>
+              <a:spcAft>
+                <a:spcPts val="400"/>
+              </a:spcAft>
+              <a:buClr>
+                <a:schemeClr val="accent1"/>
+              </a:buClr>
+              <a:buFont typeface="Calibri" pitchFamily="34" charset="0"/>
+              <a:buNone/>
+              <a:defRPr sz="1600" b="1" kern="1200">
+                <a:solidFill>
+                  <a:schemeClr val="tx1">
+                    <a:lumMod val="75000"/>
+                    <a:lumOff val="25000"/>
+                  </a:schemeClr>
+                </a:solidFill>
+                <a:latin typeface="+mn-lt"/>
+                <a:ea typeface="+mn-ea"/>
+                <a:cs typeface="+mn-cs"/>
+              </a:defRPr>
+            </a:lvl9pPr>
+          </a:lstStyle>
+          <a:p>
+            <a:r>
+              <a:rPr lang="en-US" altLang="zh-CN" sz="1400" cap="none" dirty="0"/>
+              <a:t>(Dhingra, 2020)</a:t>
+            </a:r>
+            <a:endParaRPr lang="zh-CN" altLang="en-US" sz="1200" cap="none" dirty="0"/>
           </a:p>
         </p:txBody>
       </p:sp>
@@ -14259,7 +14544,7 @@
                 </a:r>
                 <a:r>
                   <a:rPr lang="en-US" altLang="zh-CN" dirty="0"/>
-                  <a:t>= 1.6125, k = 0, then the probability of no news is</a:t>
+                  <a:t>= 1.542169, k = 0, then the probability of no news is</a:t>
                 </a:r>
               </a:p>
               <a:p>
@@ -14340,7 +14625,7 @@
                               <a:rPr lang="en-US" altLang="zh-CN" i="1">
                                 <a:latin typeface="Cambria Math" panose="02040503050406030204" pitchFamily="18" charset="0"/>
                               </a:rPr>
-                              <m:t>1.6125</m:t>
+                              <m:t>1.542169</m:t>
                             </m:r>
                           </m:e>
                           <m:sup>
@@ -14373,7 +14658,13 @@
                               <a:rPr lang="en-US" altLang="zh-CN" i="1" dirty="0">
                                 <a:latin typeface="Cambria Math" panose="02040503050406030204" pitchFamily="18" charset="0"/>
                               </a:rPr>
-                              <m:t>−1.6125</m:t>
+                              <m:t>−</m:t>
+                            </m:r>
+                            <m:r>
+                              <a:rPr lang="en-US" altLang="zh-CN" i="1" dirty="0">
+                                <a:latin typeface="Cambria Math" panose="02040503050406030204" pitchFamily="18" charset="0"/>
+                              </a:rPr>
+                              <m:t>1.542169</m:t>
                             </m:r>
                           </m:sup>
                         </m:sSup>
@@ -14437,7 +14728,7 @@
                               <a:rPr lang="en-US" altLang="zh-CN" i="1">
                                 <a:latin typeface="Cambria Math" panose="02040503050406030204" pitchFamily="18" charset="0"/>
                               </a:rPr>
-                              <m:t>1.6125</m:t>
+                              <m:t>1.542169</m:t>
                             </m:r>
                           </m:sup>
                         </m:sSup>
@@ -14465,10 +14756,12 @@
                       <a:rPr lang="en-US" altLang="zh-CN" b="1" i="1">
                         <a:latin typeface="Cambria Math" panose="02040503050406030204" pitchFamily="18" charset="0"/>
                       </a:rPr>
-                      <m:t>𝟏𝟗𝟗𝟑𝟖𝟖𝟓𝟏𝟗</m:t>
+                      <m:t>𝟐𝟏𝟑𝟗𝟏𝟔𝟔𝟏𝟑</m:t>
                     </m:r>
                   </m:oMath>
                 </a14:m>
+              </a:p>
+              <a:p>
                 <a:endParaRPr lang="en-US" altLang="zh-CN" b="1" dirty="0"/>
               </a:p>
             </p:txBody>
@@ -15628,7 +15921,7 @@
                 </a:r>
                 <a:r>
                   <a:rPr lang="en-US" altLang="zh-CN" dirty="0"/>
-                  <a:t>= 1.6125, k = 3</a:t>
+                  <a:t>= 1.542169, k = 3</a:t>
                 </a:r>
                 <a:r>
                   <a:rPr lang="zh-CN" altLang="en-US" dirty="0"/>
@@ -15729,7 +16022,7 @@
                               <a:rPr lang="en-US" altLang="zh-CN" i="1">
                                 <a:latin typeface="Cambria Math" panose="02040503050406030204" pitchFamily="18" charset="0"/>
                               </a:rPr>
-                              <m:t>1.6125</m:t>
+                              <m:t>1.542169</m:t>
                             </m:r>
                           </m:e>
                           <m:sup>
@@ -15737,7 +16030,13 @@
                               <a:rPr lang="en-US" altLang="zh-CN" i="1" dirty="0">
                                 <a:latin typeface="Cambria Math" panose="02040503050406030204" pitchFamily="18" charset="0"/>
                               </a:rPr>
-                              <m:t>−3∗1.6125</m:t>
+                              <m:t>−3∗</m:t>
+                            </m:r>
+                            <m:r>
+                              <a:rPr lang="en-US" altLang="zh-CN" i="1" dirty="0">
+                                <a:latin typeface="Cambria Math" panose="02040503050406030204" pitchFamily="18" charset="0"/>
+                              </a:rPr>
+                              <m:t>1.542169</m:t>
                             </m:r>
                           </m:sup>
                         </m:sSup>
@@ -15762,12 +16061,24 @@
                               <a:rPr lang="en-US" altLang="zh-CN" i="1" dirty="0">
                                 <a:latin typeface="Cambria Math" panose="02040503050406030204" pitchFamily="18" charset="0"/>
                               </a:rPr>
-                              <m:t>−1.6125</m:t>
+                              <m:t>−</m:t>
+                            </m:r>
+                            <m:r>
+                              <a:rPr lang="en-US" altLang="zh-CN" i="1" dirty="0">
+                                <a:latin typeface="Cambria Math" panose="02040503050406030204" pitchFamily="18" charset="0"/>
+                              </a:rPr>
+                              <m:t>1.542169</m:t>
                             </m:r>
                           </m:sup>
                         </m:sSup>
                       </m:num>
                       <m:den>
+                        <m:r>
+                          <a:rPr lang="en-US" altLang="zh-CN" b="0" i="1" dirty="0" smtClean="0">
+                            <a:latin typeface="Cambria Math" panose="02040503050406030204" pitchFamily="18" charset="0"/>
+                          </a:rPr>
+                          <m:t>(</m:t>
+                        </m:r>
                         <m:r>
                           <a:rPr lang="en-US" altLang="zh-CN" b="0" i="1" dirty="0" smtClean="0">
                             <a:latin typeface="Cambria Math" panose="02040503050406030204" pitchFamily="18" charset="0"/>
@@ -15778,7 +16089,13 @@
                           <a:rPr lang="en-US" altLang="zh-CN" i="1" dirty="0">
                             <a:latin typeface="Cambria Math" panose="02040503050406030204" pitchFamily="18" charset="0"/>
                           </a:rPr>
-                          <m:t>1.6125</m:t>
+                          <m:t>1.542169</m:t>
+                        </m:r>
+                        <m:r>
+                          <a:rPr lang="en-US" altLang="zh-CN" b="0" i="1" dirty="0" smtClean="0">
+                            <a:latin typeface="Cambria Math" panose="02040503050406030204" pitchFamily="18" charset="0"/>
+                          </a:rPr>
+                          <m:t>)</m:t>
                         </m:r>
                         <m:r>
                           <a:rPr lang="en-US" altLang="zh-CN" i="1">
@@ -15801,7 +16118,7 @@
                       <m:t>𝟎</m:t>
                     </m:r>
                     <m:r>
-                      <a:rPr lang="en-US" altLang="zh-CN" b="1">
+                      <a:rPr lang="en-US" altLang="zh-CN" b="1" i="1">
                         <a:latin typeface="Cambria Math" panose="02040503050406030204" pitchFamily="18" charset="0"/>
                       </a:rPr>
                       <m:t>.</m:t>
@@ -15810,10 +16127,12 @@
                       <a:rPr lang="en-US" altLang="zh-CN" b="1" i="1">
                         <a:latin typeface="Cambria Math" panose="02040503050406030204" pitchFamily="18" charset="0"/>
                       </a:rPr>
-                      <m:t>𝟎𝟖𝟑𝟖𝟎𝟒𝟕𝟖𝟓</m:t>
+                      <m:t>𝟎𝟔𝟔𝟏𝟑𝟒𝟑𝟓𝟖</m:t>
                     </m:r>
                   </m:oMath>
                 </a14:m>
+              </a:p>
+              <a:p>
                 <a:endParaRPr lang="en-US" altLang="zh-CN" b="1" dirty="0"/>
               </a:p>
               <a:p>
@@ -16971,7 +17290,7 @@
                 </a:r>
                 <a:r>
                   <a:rPr lang="en-US" altLang="zh-CN" dirty="0"/>
-                  <a:t>= 23, k = 20, then the probability of no news is</a:t>
+                  <a:t>= 1.542169, k = 20, then the probability of no news is</a:t>
                 </a:r>
               </a:p>
               <a:p>
@@ -17049,10 +17368,10 @@
                           </m:sSupPr>
                           <m:e>
                             <m:r>
-                              <a:rPr lang="en-US" altLang="zh-CN" b="0" i="1" smtClean="0">
+                              <a:rPr lang="en-US" altLang="zh-CN" i="1">
                                 <a:latin typeface="Cambria Math" panose="02040503050406030204" pitchFamily="18" charset="0"/>
                               </a:rPr>
-                              <m:t>23</m:t>
+                              <m:t>1.542169</m:t>
                             </m:r>
                           </m:e>
                           <m:sup>
@@ -17088,10 +17407,10 @@
                               <m:t>−</m:t>
                             </m:r>
                             <m:r>
-                              <a:rPr lang="en-US" altLang="zh-CN" b="0" i="1" dirty="0" smtClean="0">
+                              <a:rPr lang="en-US" altLang="zh-CN" i="1" dirty="0">
                                 <a:latin typeface="Cambria Math" panose="02040503050406030204" pitchFamily="18" charset="0"/>
                               </a:rPr>
-                              <m:t>23</m:t>
+                              <m:t>1.542169</m:t>
                             </m:r>
                           </m:sup>
                         </m:sSup>
@@ -17121,10 +17440,10 @@
                       <a:rPr lang="en-US" altLang="zh-CN" b="1" i="1">
                         <a:latin typeface="Cambria Math" panose="02040503050406030204" pitchFamily="18" charset="0"/>
                       </a:rPr>
-                      <m:t>𝟏</m:t>
+                      <m:t>𝟓</m:t>
                     </m:r>
                     <m:r>
-                      <a:rPr lang="en-US" altLang="zh-CN" b="1">
+                      <a:rPr lang="en-US" altLang="zh-CN" b="1" i="1">
                         <a:latin typeface="Cambria Math" panose="02040503050406030204" pitchFamily="18" charset="0"/>
                       </a:rPr>
                       <m:t>.</m:t>
@@ -17133,22 +17452,30 @@
                       <a:rPr lang="en-US" altLang="zh-CN" b="1" i="1">
                         <a:latin typeface="Cambria Math" panose="02040503050406030204" pitchFamily="18" charset="0"/>
                       </a:rPr>
-                      <m:t>𝟏𝟓𝟕𝟔𝟑𝐄</m:t>
-                    </m:r>
-                    <m:r>
-                      <a:rPr lang="en-US" altLang="zh-CN" b="1">
-                        <a:latin typeface="Cambria Math" panose="02040503050406030204" pitchFamily="18" charset="0"/>
-                      </a:rPr>
-                      <m:t>−</m:t>
+                      <m:t>𝟎𝟗𝟎𝟒𝟗</m:t>
                     </m:r>
                     <m:r>
                       <a:rPr lang="en-US" altLang="zh-CN" b="1" i="1">
                         <a:latin typeface="Cambria Math" panose="02040503050406030204" pitchFamily="18" charset="0"/>
                       </a:rPr>
-                      <m:t>𝟏𝟓</m:t>
+                      <m:t>𝑬</m:t>
+                    </m:r>
+                    <m:r>
+                      <a:rPr lang="en-US" altLang="zh-CN" b="1" i="1">
+                        <a:latin typeface="Cambria Math" panose="02040503050406030204" pitchFamily="18" charset="0"/>
+                      </a:rPr>
+                      <m:t>-</m:t>
+                    </m:r>
+                    <m:r>
+                      <a:rPr lang="en-US" altLang="zh-CN" b="1" i="1">
+                        <a:latin typeface="Cambria Math" panose="02040503050406030204" pitchFamily="18" charset="0"/>
+                      </a:rPr>
+                      <m:t>𝟏𝟔</m:t>
                     </m:r>
                   </m:oMath>
                 </a14:m>
+              </a:p>
+              <a:p>
                 <a:endParaRPr lang="en-US" altLang="zh-CN" b="1" dirty="0"/>
               </a:p>
               <a:p>
@@ -17397,24 +17724,18 @@
           <a:p>
             <a:r>
               <a:rPr lang="en-US" altLang="zh-CN" dirty="0"/>
-              <a:t>To find outliers in data, we have to calculate Q1 and Q3 of the dataset. By doing that, we find the boundary of data and whoever lays outside of the boundary is abnormality, thus, an unusual amount of news for the stock.</a:t>
+              <a:t>To find outliers in data, we must calculate Q1 and Q3 of the dataset. By doing that, we find the boundary of data and whoever lays outside of the boundary is abnormality, thus, an unusual amount of news for the stock.</a:t>
             </a:r>
           </a:p>
           <a:p>
             <a:r>
               <a:rPr lang="en-US" altLang="zh-CN" dirty="0"/>
-              <a:t>Here is a box plot of the dataset.</a:t>
-            </a:r>
-          </a:p>
-          <a:p>
-            <a:r>
-              <a:rPr lang="en-US" altLang="zh-CN" dirty="0"/>
-              <a:t>Q1 and Q3: </a:t>
-            </a:r>
-            <a:r>
-              <a:rPr lang="en-US" altLang="zh-CN" dirty="0">
+              <a:t>Here is a box plot of the dataset. Q1 and Q3: </a:t>
+            </a:r>
+            <a:r>
+              <a:rPr lang="en-US" altLang="zh-CN" b="1" dirty="0">
                 <a:solidFill>
-                  <a:srgbClr val="FF0000"/>
+                  <a:schemeClr val="tx1"/>
                 </a:solidFill>
               </a:rPr>
               <a:t>(1.0, 2.0) </a:t>
@@ -17437,42 +17758,6 @@
           </a:p>
         </p:txBody>
       </p:sp>
-      <p:pic>
-        <p:nvPicPr>
-          <p:cNvPr id="6" name="图片 5" descr="图表&#10;&#10;描述已自动生成">
-            <a:extLst>
-              <a:ext uri="{FF2B5EF4-FFF2-40B4-BE49-F238E27FC236}">
-                <a16:creationId xmlns:a16="http://schemas.microsoft.com/office/drawing/2014/main" id="{E9ED6665-DD5C-4796-91C8-1DB43868297C}"/>
-              </a:ext>
-            </a:extLst>
-          </p:cNvPr>
-          <p:cNvPicPr>
-            <a:picLocks noChangeAspect="1"/>
-          </p:cNvPicPr>
-          <p:nvPr/>
-        </p:nvPicPr>
-        <p:blipFill>
-          <a:blip r:embed="rId3">
-            <a:extLst>
-              <a:ext uri="{28A0092B-C50C-407E-A947-70E740481C1C}">
-                <a14:useLocalDpi xmlns:a14="http://schemas.microsoft.com/office/drawing/2010/main" val="0"/>
-              </a:ext>
-            </a:extLst>
-          </a:blip>
-          <a:stretch>
-            <a:fillRect/>
-          </a:stretch>
-        </p:blipFill>
-        <p:spPr>
-          <a:xfrm>
-            <a:off x="4075214" y="3376554"/>
-            <a:ext cx="3548101" cy="2492540"/>
-          </a:xfrm>
-          <a:prstGeom prst="rect">
-            <a:avLst/>
-          </a:prstGeom>
-        </p:spPr>
-      </p:pic>
       <p:sp>
         <p:nvSpPr>
           <p:cNvPr id="8" name="页脚占位符 7">
@@ -17558,6 +17843,287 @@
             <a:endParaRPr lang="zh-CN" altLang="en-US">
               <a:solidFill>
                 <a:schemeClr val="tx1"/>
+              </a:solidFill>
+            </a:endParaRPr>
+          </a:p>
+        </p:txBody>
+      </p:sp>
+      <p:pic>
+        <p:nvPicPr>
+          <p:cNvPr id="2049" name="Picture 1">
+            <a:extLst>
+              <a:ext uri="{FF2B5EF4-FFF2-40B4-BE49-F238E27FC236}">
+                <a16:creationId xmlns:a16="http://schemas.microsoft.com/office/drawing/2014/main" id="{A0A4FA96-6F64-4B18-B354-294F77E6A518}"/>
+              </a:ext>
+            </a:extLst>
+          </p:cNvPr>
+          <p:cNvPicPr>
+            <a:picLocks noChangeAspect="1" noChangeArrowheads="1"/>
+          </p:cNvPicPr>
+          <p:nvPr/>
+        </p:nvPicPr>
+        <p:blipFill>
+          <a:blip r:embed="rId3">
+            <a:extLst>
+              <a:ext uri="{28A0092B-C50C-407E-A947-70E740481C1C}">
+                <a14:useLocalDpi xmlns:a14="http://schemas.microsoft.com/office/drawing/2010/main" val="0"/>
+              </a:ext>
+            </a:extLst>
+          </a:blip>
+          <a:srcRect/>
+          <a:stretch>
+            <a:fillRect/>
+          </a:stretch>
+        </p:blipFill>
+        <p:spPr bwMode="auto">
+          <a:xfrm>
+            <a:off x="1097280" y="3279987"/>
+            <a:ext cx="3982453" cy="2825614"/>
+          </a:xfrm>
+          <a:prstGeom prst="rect">
+            <a:avLst/>
+          </a:prstGeom>
+          <a:noFill/>
+          <a:extLst>
+            <a:ext uri="{909E8E84-426E-40DD-AFC4-6F175D3DCCD1}">
+              <a14:hiddenFill xmlns:a14="http://schemas.microsoft.com/office/drawing/2010/main">
+                <a:solidFill>
+                  <a:srgbClr val="FFFFFF"/>
+                </a:solidFill>
+              </a14:hiddenFill>
+            </a:ext>
+          </a:extLst>
+        </p:spPr>
+      </p:pic>
+      <p:pic>
+        <p:nvPicPr>
+          <p:cNvPr id="5" name="图片 4" descr="图表&#10;&#10;描述已自动生成">
+            <a:extLst>
+              <a:ext uri="{FF2B5EF4-FFF2-40B4-BE49-F238E27FC236}">
+                <a16:creationId xmlns:a16="http://schemas.microsoft.com/office/drawing/2014/main" id="{0AF5E3BB-B395-46D3-B81B-B1D3BA68FDD9}"/>
+              </a:ext>
+            </a:extLst>
+          </p:cNvPr>
+          <p:cNvPicPr>
+            <a:picLocks noChangeAspect="1"/>
+          </p:cNvPicPr>
+          <p:nvPr/>
+        </p:nvPicPr>
+        <p:blipFill>
+          <a:blip r:embed="rId4">
+            <a:extLst>
+              <a:ext uri="{28A0092B-C50C-407E-A947-70E740481C1C}">
+                <a14:useLocalDpi xmlns:a14="http://schemas.microsoft.com/office/drawing/2010/main" val="0"/>
+              </a:ext>
+            </a:extLst>
+          </a:blip>
+          <a:stretch>
+            <a:fillRect/>
+          </a:stretch>
+        </p:blipFill>
+        <p:spPr>
+          <a:xfrm>
+            <a:off x="6375136" y="3279987"/>
+            <a:ext cx="4021860" cy="2825614"/>
+          </a:xfrm>
+          <a:prstGeom prst="rect">
+            <a:avLst/>
+          </a:prstGeom>
+        </p:spPr>
+      </p:pic>
+      <p:sp>
+        <p:nvSpPr>
+          <p:cNvPr id="10" name="矩形 9">
+            <a:extLst>
+              <a:ext uri="{FF2B5EF4-FFF2-40B4-BE49-F238E27FC236}">
+                <a16:creationId xmlns:a16="http://schemas.microsoft.com/office/drawing/2014/main" id="{9A91F50F-C851-4CAE-B865-95758C4A95D7}"/>
+              </a:ext>
+            </a:extLst>
+          </p:cNvPr>
+          <p:cNvSpPr/>
+          <p:nvPr/>
+        </p:nvSpPr>
+        <p:spPr>
+          <a:xfrm>
+            <a:off x="1116172" y="3279987"/>
+            <a:ext cx="4021860" cy="1739053"/>
+          </a:xfrm>
+          <a:prstGeom prst="rect">
+            <a:avLst/>
+          </a:prstGeom>
+          <a:noFill/>
+          <a:ln>
+            <a:solidFill>
+              <a:srgbClr val="FF0000"/>
+            </a:solidFill>
+          </a:ln>
+        </p:spPr>
+        <p:style>
+          <a:lnRef idx="2">
+            <a:schemeClr val="accent1"/>
+          </a:lnRef>
+          <a:fillRef idx="1">
+            <a:schemeClr val="lt1"/>
+          </a:fillRef>
+          <a:effectRef idx="0">
+            <a:schemeClr val="accent1"/>
+          </a:effectRef>
+          <a:fontRef idx="minor">
+            <a:schemeClr val="dk1"/>
+          </a:fontRef>
+        </p:style>
+        <p:txBody>
+          <a:bodyPr rtlCol="0" anchor="ctr"/>
+          <a:lstStyle/>
+          <a:p>
+            <a:pPr algn="ctr"/>
+            <a:endParaRPr lang="zh-CN" altLang="en-US"/>
+          </a:p>
+        </p:txBody>
+      </p:sp>
+      <p:sp>
+        <p:nvSpPr>
+          <p:cNvPr id="12" name="矩形 11">
+            <a:extLst>
+              <a:ext uri="{FF2B5EF4-FFF2-40B4-BE49-F238E27FC236}">
+                <a16:creationId xmlns:a16="http://schemas.microsoft.com/office/drawing/2014/main" id="{AFCAD076-FE19-4BDB-9A68-C9624376131D}"/>
+              </a:ext>
+            </a:extLst>
+          </p:cNvPr>
+          <p:cNvSpPr/>
+          <p:nvPr/>
+        </p:nvSpPr>
+        <p:spPr>
+          <a:xfrm>
+            <a:off x="6375136" y="3279986"/>
+            <a:ext cx="4021860" cy="1739053"/>
+          </a:xfrm>
+          <a:prstGeom prst="rect">
+            <a:avLst/>
+          </a:prstGeom>
+          <a:noFill/>
+          <a:ln>
+            <a:solidFill>
+              <a:srgbClr val="FF0000"/>
+            </a:solidFill>
+          </a:ln>
+        </p:spPr>
+        <p:style>
+          <a:lnRef idx="2">
+            <a:schemeClr val="accent1"/>
+          </a:lnRef>
+          <a:fillRef idx="1">
+            <a:schemeClr val="lt1"/>
+          </a:fillRef>
+          <a:effectRef idx="0">
+            <a:schemeClr val="accent1"/>
+          </a:effectRef>
+          <a:fontRef idx="minor">
+            <a:schemeClr val="dk1"/>
+          </a:fontRef>
+        </p:style>
+        <p:txBody>
+          <a:bodyPr rtlCol="0" anchor="ctr"/>
+          <a:lstStyle/>
+          <a:p>
+            <a:pPr algn="ctr"/>
+            <a:endParaRPr lang="zh-CN" altLang="en-US"/>
+          </a:p>
+        </p:txBody>
+      </p:sp>
+      <p:sp>
+        <p:nvSpPr>
+          <p:cNvPr id="11" name="箭头: 左右 10">
+            <a:extLst>
+              <a:ext uri="{FF2B5EF4-FFF2-40B4-BE49-F238E27FC236}">
+                <a16:creationId xmlns:a16="http://schemas.microsoft.com/office/drawing/2014/main" id="{FF6073FF-254B-45A3-A333-19949D5903D8}"/>
+              </a:ext>
+            </a:extLst>
+          </p:cNvPr>
+          <p:cNvSpPr/>
+          <p:nvPr/>
+        </p:nvSpPr>
+        <p:spPr>
+          <a:xfrm>
+            <a:off x="5167304" y="3925432"/>
+            <a:ext cx="1178560" cy="224080"/>
+          </a:xfrm>
+          <a:prstGeom prst="leftRightArrow">
+            <a:avLst/>
+          </a:prstGeom>
+          <a:solidFill>
+            <a:srgbClr val="FF0000"/>
+          </a:solidFill>
+          <a:ln>
+            <a:solidFill>
+              <a:srgbClr val="FF0000"/>
+            </a:solidFill>
+          </a:ln>
+        </p:spPr>
+        <p:style>
+          <a:lnRef idx="2">
+            <a:schemeClr val="accent1">
+              <a:shade val="50000"/>
+            </a:schemeClr>
+          </a:lnRef>
+          <a:fillRef idx="1">
+            <a:schemeClr val="accent1"/>
+          </a:fillRef>
+          <a:effectRef idx="0">
+            <a:schemeClr val="accent1"/>
+          </a:effectRef>
+          <a:fontRef idx="minor">
+            <a:schemeClr val="lt1"/>
+          </a:fontRef>
+        </p:style>
+        <p:txBody>
+          <a:bodyPr rtlCol="0" anchor="ctr"/>
+          <a:lstStyle/>
+          <a:p>
+            <a:pPr algn="ctr"/>
+            <a:endParaRPr lang="zh-CN" altLang="en-US"/>
+          </a:p>
+        </p:txBody>
+      </p:sp>
+      <p:sp>
+        <p:nvSpPr>
+          <p:cNvPr id="13" name="文本框 12">
+            <a:extLst>
+              <a:ext uri="{FF2B5EF4-FFF2-40B4-BE49-F238E27FC236}">
+                <a16:creationId xmlns:a16="http://schemas.microsoft.com/office/drawing/2014/main" id="{6BC6D55C-170B-4B8B-B077-F0EB30BC7ED6}"/>
+              </a:ext>
+            </a:extLst>
+          </p:cNvPr>
+          <p:cNvSpPr txBox="1"/>
+          <p:nvPr/>
+        </p:nvSpPr>
+        <p:spPr>
+          <a:xfrm>
+            <a:off x="5205635" y="3556100"/>
+            <a:ext cx="1111202" cy="369332"/>
+          </a:xfrm>
+          <a:prstGeom prst="rect">
+            <a:avLst/>
+          </a:prstGeom>
+          <a:noFill/>
+        </p:spPr>
+        <p:txBody>
+          <a:bodyPr wrap="none" rtlCol="0">
+            <a:spAutoFit/>
+          </a:bodyPr>
+          <a:lstStyle/>
+          <a:p>
+            <a:r>
+              <a:rPr lang="en-US" altLang="zh-CN" dirty="0">
+                <a:solidFill>
+                  <a:srgbClr val="FF0000"/>
+                </a:solidFill>
+              </a:rPr>
+              <a:t>Abnormal</a:t>
+            </a:r>
+            <a:endParaRPr lang="zh-CN" altLang="en-US" dirty="0">
+              <a:solidFill>
+                <a:srgbClr val="FF0000"/>
               </a:solidFill>
             </a:endParaRPr>
           </a:p>
@@ -17632,31 +18198,6 @@
       </p:sp>
       <p:sp>
         <p:nvSpPr>
-          <p:cNvPr id="4" name="内容占位符 3">
-            <a:extLst>
-              <a:ext uri="{FF2B5EF4-FFF2-40B4-BE49-F238E27FC236}">
-                <a16:creationId xmlns:a16="http://schemas.microsoft.com/office/drawing/2014/main" id="{842CDAB9-B739-427D-8899-10B40B294DA7}"/>
-              </a:ext>
-            </a:extLst>
-          </p:cNvPr>
-          <p:cNvSpPr>
-            <a:spLocks noGrp="1"/>
-          </p:cNvSpPr>
-          <p:nvPr>
-            <p:ph idx="1"/>
-          </p:nvPr>
-        </p:nvSpPr>
-        <p:spPr/>
-        <p:txBody>
-          <a:bodyPr/>
-          <a:lstStyle/>
-          <a:p>
-            <a:endParaRPr lang="zh-CN" altLang="en-US" dirty="0"/>
-          </a:p>
-        </p:txBody>
-      </p:sp>
-      <p:sp>
-        <p:nvSpPr>
           <p:cNvPr id="7" name="页脚占位符 6">
             <a:extLst>
               <a:ext uri="{FF2B5EF4-FFF2-40B4-BE49-F238E27FC236}">
@@ -17736,6 +18277,79 @@
               <a:solidFill>
                 <a:schemeClr val="tx1"/>
               </a:solidFill>
+            </a:endParaRPr>
+          </a:p>
+        </p:txBody>
+      </p:sp>
+      <p:sp>
+        <p:nvSpPr>
+          <p:cNvPr id="9" name="文本框 8">
+            <a:extLst>
+              <a:ext uri="{FF2B5EF4-FFF2-40B4-BE49-F238E27FC236}">
+                <a16:creationId xmlns:a16="http://schemas.microsoft.com/office/drawing/2014/main" id="{B853507B-F2ED-4104-8A82-7C5ADC96018B}"/>
+              </a:ext>
+            </a:extLst>
+          </p:cNvPr>
+          <p:cNvSpPr txBox="1"/>
+          <p:nvPr/>
+        </p:nvSpPr>
+        <p:spPr>
+          <a:xfrm>
+            <a:off x="1097279" y="1845734"/>
+            <a:ext cx="10058399" cy="1667123"/>
+          </a:xfrm>
+          <a:prstGeom prst="rect">
+            <a:avLst/>
+          </a:prstGeom>
+          <a:noFill/>
+        </p:spPr>
+        <p:txBody>
+          <a:bodyPr wrap="square">
+            <a:spAutoFit/>
+          </a:bodyPr>
+          <a:lstStyle/>
+          <a:p>
+            <a:pPr marL="457200" indent="-457200">
+              <a:lnSpc>
+                <a:spcPct val="200000"/>
+              </a:lnSpc>
+            </a:pPr>
+            <a:r>
+              <a:rPr lang="en-US" altLang="zh-CN" sz="1800" dirty="0">
+                <a:effectLst/>
+                <a:ea typeface="宋体" panose="02010600030101010101" pitchFamily="2" charset="-122"/>
+                <a:cs typeface="宋体" panose="02010600030101010101" pitchFamily="2" charset="-122"/>
+              </a:rPr>
+              <a:t>Dhingra, M. (2020, June 17). </a:t>
+            </a:r>
+            <a:r>
+              <a:rPr lang="en-US" altLang="zh-CN" sz="1800" i="1" dirty="0" err="1">
+                <a:effectLst/>
+                <a:ea typeface="宋体" panose="02010600030101010101" pitchFamily="2" charset="-122"/>
+                <a:cs typeface="宋体" panose="02010600030101010101" pitchFamily="2" charset="-122"/>
+              </a:rPr>
+              <a:t>GoogleNews</a:t>
+            </a:r>
+            <a:r>
+              <a:rPr lang="en-US" altLang="zh-CN" sz="1800" i="1" dirty="0">
+                <a:effectLst/>
+                <a:ea typeface="宋体" panose="02010600030101010101" pitchFamily="2" charset="-122"/>
+                <a:cs typeface="宋体" panose="02010600030101010101" pitchFamily="2" charset="-122"/>
+              </a:rPr>
+              <a:t> API—Live News from Google News using Python</a:t>
+            </a:r>
+            <a:r>
+              <a:rPr lang="en-US" altLang="zh-CN" sz="1800" dirty="0">
+                <a:effectLst/>
+                <a:ea typeface="宋体" panose="02010600030101010101" pitchFamily="2" charset="-122"/>
+                <a:cs typeface="宋体" panose="02010600030101010101" pitchFamily="2" charset="-122"/>
+              </a:rPr>
+              <a:t>. Medium. https://medium.com/analytics-vidhya/googlenews-api-live-news-from-google-news-using-python-b50272f0a8f0</a:t>
+            </a:r>
+            <a:endParaRPr lang="zh-CN" altLang="zh-CN" sz="1800" dirty="0">
+              <a:effectLst/>
+              <a:ea typeface="宋体" panose="02010600030101010101" pitchFamily="2" charset="-122"/>
+              <a:cs typeface="宋体" panose="02010600030101010101" pitchFamily="2" charset="-122"/>
             </a:endParaRPr>
           </a:p>
         </p:txBody>

--- a/7261 Presentation 0 - News Frequency.pptx
+++ b/7261 Presentation 0 - News Frequency.pptx
@@ -12724,8 +12724,8 @@
           </a:p>
         </p:txBody>
       </p:sp>
-      <mc:AlternateContent xmlns:mc="http://schemas.openxmlformats.org/markup-compatibility/2006">
-        <mc:Choice xmlns:a14="http://schemas.microsoft.com/office/drawing/2010/main" Requires="a14">
+      <mc:AlternateContent xmlns:mc="http://schemas.openxmlformats.org/markup-compatibility/2006" xmlns:a14="http://schemas.microsoft.com/office/drawing/2010/main">
+        <mc:Choice Requires="a14">
           <p:sp>
             <p:nvSpPr>
               <p:cNvPr id="13" name="文本框 12">
@@ -12771,13 +12771,7 @@
                         <a:rPr lang="en-US" altLang="zh-CN" sz="2400" b="0" i="0" dirty="0" smtClean="0">
                           <a:latin typeface="Cambria Math" panose="02040503050406030204" pitchFamily="18" charset="0"/>
                         </a:rPr>
-                        <m:t>=</m:t>
-                      </m:r>
-                      <m:r>
-                        <a:rPr lang="en-US" altLang="zh-CN" sz="2400" b="0" i="0" dirty="0" smtClean="0">
-                          <a:latin typeface="Cambria Math" panose="02040503050406030204" pitchFamily="18" charset="0"/>
-                        </a:rPr>
-                        <m:t>1.542169</m:t>
+                        <m:t>=1.542169</m:t>
                       </m:r>
                     </m:oMath>
                   </m:oMathPara>
@@ -12787,7 +12781,7 @@
             </p:txBody>
           </p:sp>
         </mc:Choice>
-        <mc:Fallback>
+        <mc:Fallback xmlns="">
           <p:sp>
             <p:nvSpPr>
               <p:cNvPr id="13" name="文本框 12">
@@ -13594,8 +13588,8 @@
           </a:p>
         </p:txBody>
       </p:sp>
-      <mc:AlternateContent xmlns:mc="http://schemas.openxmlformats.org/markup-compatibility/2006">
-        <mc:Choice xmlns:a14="http://schemas.microsoft.com/office/drawing/2010/main" Requires="a14">
+      <mc:AlternateContent xmlns:mc="http://schemas.openxmlformats.org/markup-compatibility/2006" xmlns:a14="http://schemas.microsoft.com/office/drawing/2010/main">
+        <mc:Choice Requires="a14">
           <p:sp>
             <p:nvSpPr>
               <p:cNvPr id="4" name="内容占位符 3">
@@ -14658,13 +14652,7 @@
                               <a:rPr lang="en-US" altLang="zh-CN" i="1" dirty="0">
                                 <a:latin typeface="Cambria Math" panose="02040503050406030204" pitchFamily="18" charset="0"/>
                               </a:rPr>
-                              <m:t>−</m:t>
-                            </m:r>
-                            <m:r>
-                              <a:rPr lang="en-US" altLang="zh-CN" i="1" dirty="0">
-                                <a:latin typeface="Cambria Math" panose="02040503050406030204" pitchFamily="18" charset="0"/>
-                              </a:rPr>
-                              <m:t>1.542169</m:t>
+                              <m:t>−1.542169</m:t>
                             </m:r>
                           </m:sup>
                         </m:sSup>
@@ -14760,6 +14748,7 @@
                     </m:r>
                   </m:oMath>
                 </a14:m>
+                <a:endParaRPr lang="en-US" altLang="zh-CN" dirty="0"/>
               </a:p>
               <a:p>
                 <a:endParaRPr lang="en-US" altLang="zh-CN" b="1" dirty="0"/>
@@ -14767,7 +14756,7 @@
             </p:txBody>
           </p:sp>
         </mc:Choice>
-        <mc:Fallback>
+        <mc:Fallback xmlns="">
           <p:sp>
             <p:nvSpPr>
               <p:cNvPr id="4" name="内容占位符 3">
@@ -16030,13 +16019,7 @@
                               <a:rPr lang="en-US" altLang="zh-CN" i="1" dirty="0">
                                 <a:latin typeface="Cambria Math" panose="02040503050406030204" pitchFamily="18" charset="0"/>
                               </a:rPr>
-                              <m:t>−3∗</m:t>
-                            </m:r>
-                            <m:r>
-                              <a:rPr lang="en-US" altLang="zh-CN" i="1" dirty="0">
-                                <a:latin typeface="Cambria Math" panose="02040503050406030204" pitchFamily="18" charset="0"/>
-                              </a:rPr>
-                              <m:t>1.542169</m:t>
+                              <m:t>3∗1.542169</m:t>
                             </m:r>
                           </m:sup>
                         </m:sSup>
@@ -16061,13 +16044,7 @@
                               <a:rPr lang="en-US" altLang="zh-CN" i="1" dirty="0">
                                 <a:latin typeface="Cambria Math" panose="02040503050406030204" pitchFamily="18" charset="0"/>
                               </a:rPr>
-                              <m:t>−</m:t>
-                            </m:r>
-                            <m:r>
-                              <a:rPr lang="en-US" altLang="zh-CN" i="1" dirty="0">
-                                <a:latin typeface="Cambria Math" panose="02040503050406030204" pitchFamily="18" charset="0"/>
-                              </a:rPr>
-                              <m:t>1.542169</m:t>
+                              <m:t>−1.542169</m:t>
                             </m:r>
                           </m:sup>
                         </m:sSup>
@@ -16077,13 +16054,7 @@
                           <a:rPr lang="en-US" altLang="zh-CN" b="0" i="1" dirty="0" smtClean="0">
                             <a:latin typeface="Cambria Math" panose="02040503050406030204" pitchFamily="18" charset="0"/>
                           </a:rPr>
-                          <m:t>(</m:t>
-                        </m:r>
-                        <m:r>
-                          <a:rPr lang="en-US" altLang="zh-CN" b="0" i="1" dirty="0" smtClean="0">
-                            <a:latin typeface="Cambria Math" panose="02040503050406030204" pitchFamily="18" charset="0"/>
-                          </a:rPr>
-                          <m:t>3∗</m:t>
+                          <m:t>(3∗</m:t>
                         </m:r>
                         <m:r>
                           <a:rPr lang="en-US" altLang="zh-CN" i="1" dirty="0">
@@ -16131,6 +16102,7 @@
                     </m:r>
                   </m:oMath>
                 </a14:m>
+                <a:endParaRPr lang="en-US" altLang="zh-CN" dirty="0"/>
               </a:p>
               <a:p>
                 <a:endParaRPr lang="en-US" altLang="zh-CN" b="1" dirty="0"/>
@@ -16340,8 +16312,8 @@
           </a:p>
         </p:txBody>
       </p:sp>
-      <mc:AlternateContent xmlns:mc="http://schemas.openxmlformats.org/markup-compatibility/2006">
-        <mc:Choice xmlns:a14="http://schemas.microsoft.com/office/drawing/2010/main" Requires="a14">
+      <mc:AlternateContent xmlns:mc="http://schemas.openxmlformats.org/markup-compatibility/2006" xmlns:a14="http://schemas.microsoft.com/office/drawing/2010/main">
+        <mc:Choice Requires="a14">
           <p:sp>
             <p:nvSpPr>
               <p:cNvPr id="4" name="内容占位符 3">
@@ -17404,13 +17376,7 @@
                               <a:rPr lang="en-US" altLang="zh-CN" i="1" dirty="0">
                                 <a:latin typeface="Cambria Math" panose="02040503050406030204" pitchFamily="18" charset="0"/>
                               </a:rPr>
-                              <m:t>−</m:t>
-                            </m:r>
-                            <m:r>
-                              <a:rPr lang="en-US" altLang="zh-CN" i="1" dirty="0">
-                                <a:latin typeface="Cambria Math" panose="02040503050406030204" pitchFamily="18" charset="0"/>
-                              </a:rPr>
-                              <m:t>1.542169</m:t>
+                              <m:t>−1.542169</m:t>
                             </m:r>
                           </m:sup>
                         </m:sSup>
@@ -17464,7 +17430,7 @@
                       <a:rPr lang="en-US" altLang="zh-CN" b="1" i="1">
                         <a:latin typeface="Cambria Math" panose="02040503050406030204" pitchFamily="18" charset="0"/>
                       </a:rPr>
-                      <m:t>-</m:t>
+                      <m:t>−</m:t>
                     </m:r>
                     <m:r>
                       <a:rPr lang="en-US" altLang="zh-CN" b="1" i="1">
@@ -17474,6 +17440,7 @@
                     </m:r>
                   </m:oMath>
                 </a14:m>
+                <a:endParaRPr lang="en-US" altLang="zh-CN" dirty="0"/>
               </a:p>
               <a:p>
                 <a:endParaRPr lang="en-US" altLang="zh-CN" b="1" dirty="0"/>
@@ -17484,7 +17451,7 @@
             </p:txBody>
           </p:sp>
         </mc:Choice>
-        <mc:Fallback>
+        <mc:Fallback xmlns="">
           <p:sp>
             <p:nvSpPr>
               <p:cNvPr id="4" name="内容占位符 3">

--- a/7261 Presentation 0 - News Frequency.pptx
+++ b/7261 Presentation 0 - News Frequency.pptx
@@ -1113,7 +1113,7 @@
           </a:r>
           <a:r>
             <a:rPr lang="en-US" sz="1200" b="0" dirty="0"/>
-            <a:t>Jan 01, 2020 to Jan 17, 2021</a:t>
+            <a:t>Jan 01, 2020 to Jan 17, 2021 (382 days)</a:t>
           </a:r>
           <a:endParaRPr lang="en-US" altLang="zh-CN" sz="1200" dirty="0"/>
         </a:p>
@@ -1225,8 +1225,8 @@
         </a:p>
       </dgm:t>
     </dgm:pt>
-    <mc:AlternateContent xmlns:mc="http://schemas.openxmlformats.org/markup-compatibility/2006" xmlns:a14="http://schemas.microsoft.com/office/drawing/2010/main">
-      <mc:Choice Requires="a14">
+    <mc:AlternateContent xmlns:mc="http://schemas.openxmlformats.org/markup-compatibility/2006">
+      <mc:Choice xmlns:a14="http://schemas.microsoft.com/office/drawing/2010/main" Requires="a14">
         <dgm:pt modelId="{C49CFCE1-5CEA-4633-8CC6-8B7033E8B6C1}">
           <dgm:prSet custT="1"/>
           <dgm:spPr/>
@@ -1250,13 +1250,17 @@
               </a14:m>
               <a:r>
                 <a:rPr lang="en-US" altLang="zh-CN" sz="1200" dirty="0"/>
-                <a:t>: calculate the average of how many news there are on each day</a:t>
+                <a:t>: calculate the </a:t>
+              </a:r>
+              <a:r>
+                <a:rPr lang="en-US" altLang="zh-CN" sz="1200" u="sng" dirty="0"/>
+                <a:t>average of each day’s amount of news articles</a:t>
               </a:r>
             </a:p>
           </dgm:t>
         </dgm:pt>
       </mc:Choice>
-      <mc:Fallback xmlns="">
+      <mc:Fallback>
         <dgm:pt modelId="{C49CFCE1-5CEA-4633-8CC6-8B7033E8B6C1}">
           <dgm:prSet custT="1"/>
           <dgm:spPr/>
@@ -1276,7 +1280,11 @@
               </a:r>
               <a:r>
                 <a:rPr lang="en-US" altLang="zh-CN" sz="1200" dirty="0"/>
-                <a:t>: calculate the average of how many news there are on each day</a:t>
+                <a:t>: calculate the </a:t>
+              </a:r>
+              <a:r>
+                <a:rPr lang="en-US" altLang="zh-CN" sz="1200" u="sng" dirty="0"/>
+                <a:t>average of each day’s amount of news articles</a:t>
               </a:r>
             </a:p>
           </dgm:t>
@@ -2501,7 +2509,7 @@
           </a:r>
           <a:r>
             <a:rPr lang="en-US" sz="1200" b="0" kern="1200" dirty="0"/>
-            <a:t>Jan 01, 2020 to Jan 17, 2021</a:t>
+            <a:t>Jan 01, 2020 to Jan 17, 2021 (382 days)</a:t>
           </a:r>
           <a:endParaRPr lang="en-US" altLang="zh-CN" sz="1200" kern="1200" dirty="0"/>
         </a:p>
@@ -2582,7 +2590,11 @@
           </a14:m>
           <a:r>
             <a:rPr lang="en-US" altLang="zh-CN" sz="1200" kern="1200" dirty="0"/>
-            <a:t>: calculate the average of how many news there are on each day</a:t>
+            <a:t>: calculate the </a:t>
+          </a:r>
+          <a:r>
+            <a:rPr lang="en-US" altLang="zh-CN" sz="1200" u="sng" kern="1200" dirty="0"/>
+            <a:t>average of each day’s amount of news articles</a:t>
           </a:r>
         </a:p>
       </dsp:txBody>
@@ -12622,8 +12634,8 @@
           </a:p>
         </p:txBody>
       </p:sp>
-      <mc:AlternateContent xmlns:mc="http://schemas.openxmlformats.org/markup-compatibility/2006" xmlns:a14="http://schemas.microsoft.com/office/drawing/2010/main">
-        <mc:Choice Requires="a14">
+      <mc:AlternateContent xmlns:mc="http://schemas.openxmlformats.org/markup-compatibility/2006">
+        <mc:Choice xmlns:a14="http://schemas.microsoft.com/office/drawing/2010/main" Requires="a14">
           <p:graphicFrame>
             <p:nvGraphicFramePr>
               <p:cNvPr id="7" name="内容占位符 6">
@@ -12640,7 +12652,7 @@
                 <p:ph sz="half" idx="2"/>
                 <p:extLst>
                   <p:ext uri="{D42A27DB-BD31-4B8C-83A1-F6EECF244321}">
-                    <p14:modId xmlns:p14="http://schemas.microsoft.com/office/powerpoint/2010/main" val="995845054"/>
+                    <p14:modId xmlns:p14="http://schemas.microsoft.com/office/powerpoint/2010/main" val="2851548351"/>
                   </p:ext>
                 </p:extLst>
               </p:nvPr>
@@ -12656,7 +12668,7 @@
             </a:graphic>
           </p:graphicFrame>
         </mc:Choice>
-        <mc:Fallback xmlns="">
+        <mc:Fallback>
           <p:graphicFrame>
             <p:nvGraphicFramePr>
               <p:cNvPr id="7" name="内容占位符 6">
@@ -12673,7 +12685,7 @@
                 <p:ph sz="half" idx="2"/>
                 <p:extLst>
                   <p:ext uri="{D42A27DB-BD31-4B8C-83A1-F6EECF244321}">
-                    <p14:modId xmlns:p14="http://schemas.microsoft.com/office/powerpoint/2010/main" val="995845054"/>
+                    <p14:modId xmlns:p14="http://schemas.microsoft.com/office/powerpoint/2010/main" val="2851548351"/>
                   </p:ext>
                 </p:extLst>
               </p:nvPr>
@@ -12684,7 +12696,7 @@
             </p:xfrm>
             <a:graphic>
               <a:graphicData uri="http://schemas.openxmlformats.org/drawingml/2006/diagram">
-                <dgm:relIds xmlns:dgm="http://schemas.openxmlformats.org/drawingml/2006/diagram" xmlns:r="http://schemas.openxmlformats.org/officeDocument/2006/relationships" r:dm="rId8" r:lo="rId9" r:qs="rId10" r:cs="rId11"/>
+                <dgm:relIds xmlns:dgm="http://schemas.openxmlformats.org/drawingml/2006/diagram" xmlns:r="http://schemas.openxmlformats.org/officeDocument/2006/relationships" r:dm="rId8" r:lo="rId4" r:qs="rId5" r:cs="rId6"/>
               </a:graphicData>
             </a:graphic>
           </p:graphicFrame>
@@ -13256,7 +13268,7 @@
         </p:nvSpPr>
         <p:spPr>
           <a:xfrm>
-            <a:off x="3193468" y="4727625"/>
+            <a:off x="3157374" y="4607309"/>
             <a:ext cx="1276932" cy="304800"/>
           </a:xfrm>
           <a:prstGeom prst="rect">
@@ -14960,8 +14972,8 @@
           </a:p>
         </p:txBody>
       </p:sp>
-      <mc:AlternateContent xmlns:mc="http://schemas.openxmlformats.org/markup-compatibility/2006">
-        <mc:Choice xmlns:a14="http://schemas.microsoft.com/office/drawing/2010/main" Requires="a14">
+      <mc:AlternateContent xmlns:mc="http://schemas.openxmlformats.org/markup-compatibility/2006" xmlns:a14="http://schemas.microsoft.com/office/drawing/2010/main">
+        <mc:Choice Requires="a14">
           <p:sp>
             <p:nvSpPr>
               <p:cNvPr id="4" name="内容占位符 3">
@@ -16113,7 +16125,7 @@
             </p:txBody>
           </p:sp>
         </mc:Choice>
-        <mc:Fallback>
+        <mc:Fallback xmlns="">
           <p:sp>
             <p:nvSpPr>
               <p:cNvPr id="4" name="内容占位符 3">
